--- a/doc/presentation.pptx
+++ b/doc/presentation.pptx
@@ -21,6 +21,7 @@
     <p:sldId id="266" r:id="rId16"/>
     <p:sldId id="267" r:id="rId17"/>
     <p:sldId id="268" r:id="rId18"/>
+    <p:sldId id="269" r:id="rId19"/>
   </p:sldIdLst>
   <p:sldSz cy="5143500" cx="9144000"/>
   <p:notesSz cx="6858000" cy="9144000"/>
@@ -816,7 +817,7 @@
       </p:grpSpPr>
       <p:sp>
         <p:nvSpPr>
-          <p:cNvPr id="105" name="Google Shape;105;g3218836a093_0_60:notes"/>
+          <p:cNvPr id="105" name="Google Shape;105;g3218836a093_0_45:notes"/>
           <p:cNvSpPr/>
           <p:nvPr>
             <p:ph idx="2" type="sldImg"/>
@@ -851,7 +852,7 @@
       </p:sp>
       <p:sp>
         <p:nvSpPr>
-          <p:cNvPr id="106" name="Google Shape;106;g3218836a093_0_60:notes"/>
+          <p:cNvPr id="106" name="Google Shape;106;g3218836a093_0_45:notes"/>
           <p:cNvSpPr txBox="1"/>
           <p:nvPr>
             <p:ph idx="1" type="body"/>
@@ -901,7 +902,7 @@
   <p:cSld>
     <p:spTree>
       <p:nvGrpSpPr>
-        <p:cNvPr id="111" name="Shape 111"/>
+        <p:cNvPr id="110" name="Shape 110"/>
         <p:cNvGrpSpPr/>
         <p:nvPr/>
       </p:nvGrpSpPr>
@@ -915,7 +916,7 @@
       </p:grpSpPr>
       <p:sp>
         <p:nvSpPr>
-          <p:cNvPr id="112" name="Google Shape;112;g3218836a093_0_67:notes"/>
+          <p:cNvPr id="111" name="Google Shape;111;g3218836a093_0_60:notes"/>
           <p:cNvSpPr/>
           <p:nvPr>
             <p:ph idx="2" type="sldImg"/>
@@ -950,7 +951,7 @@
       </p:sp>
       <p:sp>
         <p:nvSpPr>
-          <p:cNvPr id="113" name="Google Shape;113;g3218836a093_0_67:notes"/>
+          <p:cNvPr id="112" name="Google Shape;112;g3218836a093_0_60:notes"/>
           <p:cNvSpPr txBox="1"/>
           <p:nvPr>
             <p:ph idx="1" type="body"/>
@@ -1014,7 +1015,7 @@
       </p:grpSpPr>
       <p:sp>
         <p:nvSpPr>
-          <p:cNvPr id="118" name="Google Shape;118;g3218836a093_0_72:notes"/>
+          <p:cNvPr id="118" name="Google Shape;118;g3218836a093_0_67:notes"/>
           <p:cNvSpPr/>
           <p:nvPr>
             <p:ph idx="2" type="sldImg"/>
@@ -1049,7 +1050,7 @@
       </p:sp>
       <p:sp>
         <p:nvSpPr>
-          <p:cNvPr id="119" name="Google Shape;119;g3218836a093_0_72:notes"/>
+          <p:cNvPr id="119" name="Google Shape;119;g3218836a093_0_67:notes"/>
           <p:cNvSpPr txBox="1"/>
           <p:nvPr>
             <p:ph idx="1" type="body"/>
@@ -1113,7 +1114,7 @@
       </p:grpSpPr>
       <p:sp>
         <p:nvSpPr>
-          <p:cNvPr id="124" name="Google Shape;124;g3218836a093_0_77:notes"/>
+          <p:cNvPr id="124" name="Google Shape;124;g3218836a093_0_72:notes"/>
           <p:cNvSpPr/>
           <p:nvPr>
             <p:ph idx="2" type="sldImg"/>
@@ -1148,7 +1149,106 @@
       </p:sp>
       <p:sp>
         <p:nvSpPr>
-          <p:cNvPr id="125" name="Google Shape;125;g3218836a093_0_77:notes"/>
+          <p:cNvPr id="125" name="Google Shape;125;g3218836a093_0_72:notes"/>
+          <p:cNvSpPr txBox="1"/>
+          <p:nvPr>
+            <p:ph idx="1" type="body"/>
+          </p:nvPr>
+        </p:nvSpPr>
+        <p:spPr>
+          <a:xfrm>
+            <a:off x="685800" y="4343400"/>
+            <a:ext cx="5486400" cy="4114800"/>
+          </a:xfrm>
+          <a:prstGeom prst="rect">
+            <a:avLst/>
+          </a:prstGeom>
+        </p:spPr>
+        <p:txBody>
+          <a:bodyPr anchorCtr="0" anchor="t" bIns="91425" lIns="91425" spcFirstLastPara="1" rIns="91425" wrap="square" tIns="91425">
+            <a:noAutofit/>
+          </a:bodyPr>
+          <a:lstStyle/>
+          <a:p>
+            <a:pPr indent="0" lvl="0" marL="0" rtl="0" algn="l">
+              <a:spcBef>
+                <a:spcPts val="0"/>
+              </a:spcBef>
+              <a:spcAft>
+                <a:spcPts val="0"/>
+              </a:spcAft>
+              <a:buNone/>
+            </a:pPr>
+            <a:r>
+              <a:t/>
+            </a:r>
+            <a:endParaRPr/>
+          </a:p>
+        </p:txBody>
+      </p:sp>
+    </p:spTree>
+  </p:cSld>
+  <p:clrMapOvr>
+    <a:masterClrMapping/>
+  </p:clrMapOvr>
+</p:notes>
+</file>
+
+<file path=ppt/notesSlides/notesSlide14.xml><?xml version="1.0" encoding="utf-8"?>
+<p:notes xmlns:a="http://schemas.openxmlformats.org/drawingml/2006/main" xmlns:r="http://schemas.openxmlformats.org/officeDocument/2006/relationships" xmlns:mc="http://schemas.openxmlformats.org/markup-compatibility/2006" xmlns:mv="urn:schemas-microsoft-com:mac:vml" xmlns:p="http://schemas.openxmlformats.org/presentationml/2006/main" xmlns:c="http://schemas.openxmlformats.org/drawingml/2006/chart" xmlns:dgm="http://schemas.openxmlformats.org/drawingml/2006/diagram" xmlns:o="urn:schemas-microsoft-com:office:office" xmlns:v="urn:schemas-microsoft-com:vml" xmlns:pvml="urn:schemas-microsoft-com:office:powerpoint" xmlns:com="http://schemas.openxmlformats.org/drawingml/2006/compatibility" xmlns:p14="http://schemas.microsoft.com/office/powerpoint/2010/main" xmlns:p15="http://schemas.microsoft.com/office/powerpoint/2012/main" xmlns:ahyp="http://schemas.microsoft.com/office/drawing/2018/hyperlinkcolor" showMasterPhAnim="0" showMasterSp="0">
+  <p:cSld>
+    <p:spTree>
+      <p:nvGrpSpPr>
+        <p:cNvPr id="129" name="Shape 129"/>
+        <p:cNvGrpSpPr/>
+        <p:nvPr/>
+      </p:nvGrpSpPr>
+      <p:grpSpPr>
+        <a:xfrm>
+          <a:off x="0" y="0"/>
+          <a:ext cx="0" cy="0"/>
+          <a:chOff x="0" y="0"/>
+          <a:chExt cx="0" cy="0"/>
+        </a:xfrm>
+      </p:grpSpPr>
+      <p:sp>
+        <p:nvSpPr>
+          <p:cNvPr id="130" name="Google Shape;130;g3218836a093_0_77:notes"/>
+          <p:cNvSpPr/>
+          <p:nvPr>
+            <p:ph idx="2" type="sldImg"/>
+          </p:nvPr>
+        </p:nvSpPr>
+        <p:spPr>
+          <a:xfrm>
+            <a:off x="381300" y="685800"/>
+            <a:ext cx="6096000" cy="3429000"/>
+          </a:xfrm>
+          <a:custGeom>
+            <a:rect b="b" l="l" r="r" t="t"/>
+            <a:pathLst>
+              <a:path extrusionOk="0" h="120000" w="120000">
+                <a:moveTo>
+                  <a:pt x="0" y="0"/>
+                </a:moveTo>
+                <a:lnTo>
+                  <a:pt x="120000" y="0"/>
+                </a:lnTo>
+                <a:lnTo>
+                  <a:pt x="120000" y="120000"/>
+                </a:lnTo>
+                <a:lnTo>
+                  <a:pt x="0" y="120000"/>
+                </a:lnTo>
+                <a:close/>
+              </a:path>
+            </a:pathLst>
+          </a:custGeom>
+        </p:spPr>
+      </p:sp>
+      <p:sp>
+        <p:nvSpPr>
+          <p:cNvPr id="131" name="Google Shape;131;g3218836a093_0_77:notes"/>
           <p:cNvSpPr txBox="1"/>
           <p:nvPr>
             <p:ph idx="1" type="body"/>
@@ -1905,7 +2005,7 @@
       </p:grpSpPr>
       <p:sp>
         <p:nvSpPr>
-          <p:cNvPr id="99" name="Google Shape;99;g3218836a093_0_45:notes"/>
+          <p:cNvPr id="99" name="Google Shape;99;g3218836a093_6_2:notes"/>
           <p:cNvSpPr/>
           <p:nvPr>
             <p:ph idx="2" type="sldImg"/>
@@ -1940,7 +2040,7 @@
       </p:sp>
       <p:sp>
         <p:nvSpPr>
-          <p:cNvPr id="100" name="Google Shape;100;g3218836a093_0_45:notes"/>
+          <p:cNvPr id="100" name="Google Shape;100;g3218836a093_6_2:notes"/>
           <p:cNvSpPr txBox="1"/>
           <p:nvPr>
             <p:ph idx="1" type="body"/>
@@ -6790,6 +6890,205 @@
             </a:pPr>
             <a:r>
               <a:rPr lang="en"/>
+              <a:t>Примеры мест</a:t>
+            </a:r>
+            <a:endParaRPr/>
+          </a:p>
+        </p:txBody>
+      </p:sp>
+      <p:sp>
+        <p:nvSpPr>
+          <p:cNvPr id="109" name="Google Shape;109;p22"/>
+          <p:cNvSpPr txBox="1"/>
+          <p:nvPr>
+            <p:ph idx="1" type="body"/>
+          </p:nvPr>
+        </p:nvSpPr>
+        <p:spPr>
+          <a:xfrm>
+            <a:off x="311700" y="1152475"/>
+            <a:ext cx="8520600" cy="3416400"/>
+          </a:xfrm>
+          <a:prstGeom prst="rect">
+            <a:avLst/>
+          </a:prstGeom>
+        </p:spPr>
+        <p:txBody>
+          <a:bodyPr anchorCtr="0" anchor="t" bIns="91425" lIns="91425" spcFirstLastPara="1" rIns="91425" wrap="square" tIns="91425">
+            <a:normAutofit/>
+          </a:bodyPr>
+          <a:lstStyle/>
+          <a:p>
+            <a:pPr indent="-342900" lvl="0" marL="457200" rtl="0" algn="l">
+              <a:spcBef>
+                <a:spcPts val="0"/>
+              </a:spcBef>
+              <a:spcAft>
+                <a:spcPts val="0"/>
+              </a:spcAft>
+              <a:buSzPts val="1800"/>
+              <a:buChar char="●"/>
+            </a:pPr>
+            <a:r>
+              <a:rPr lang="en" u="sng">
+                <a:solidFill>
+                  <a:schemeClr val="hlink"/>
+                </a:solidFill>
+                <a:hlinkClick r:id="rId3"/>
+              </a:rPr>
+              <a:t>Ансамбль усадьбы Царицыно, Большой дворец</a:t>
+            </a:r>
+            <a:endParaRPr/>
+          </a:p>
+          <a:p>
+            <a:pPr indent="-342900" lvl="0" marL="457200" rtl="0" algn="l">
+              <a:spcBef>
+                <a:spcPts val="0"/>
+              </a:spcBef>
+              <a:spcAft>
+                <a:spcPts val="0"/>
+              </a:spcAft>
+              <a:buSzPts val="1800"/>
+              <a:buChar char="●"/>
+            </a:pPr>
+            <a:r>
+              <a:rPr lang="en" u="sng">
+                <a:solidFill>
+                  <a:schemeClr val="hlink"/>
+                </a:solidFill>
+                <a:hlinkClick r:id="rId4"/>
+              </a:rPr>
+              <a:t>Боулинг Мореон</a:t>
+            </a:r>
+            <a:endParaRPr/>
+          </a:p>
+          <a:p>
+            <a:pPr indent="-342900" lvl="0" marL="457200" rtl="0" algn="l">
+              <a:spcBef>
+                <a:spcPts val="0"/>
+              </a:spcBef>
+              <a:spcAft>
+                <a:spcPts val="0"/>
+              </a:spcAft>
+              <a:buSzPts val="1800"/>
+              <a:buChar char="●"/>
+            </a:pPr>
+            <a:r>
+              <a:rPr lang="en" u="sng">
+                <a:solidFill>
+                  <a:schemeClr val="hlink"/>
+                </a:solidFill>
+                <a:hlinkClick r:id="rId5"/>
+              </a:rPr>
+              <a:t>Подводная лодка Б-396 Новосибирский Комсомолец</a:t>
+            </a:r>
+            <a:endParaRPr/>
+          </a:p>
+          <a:p>
+            <a:pPr indent="-342900" lvl="0" marL="457200" rtl="0" algn="l">
+              <a:spcBef>
+                <a:spcPts val="0"/>
+              </a:spcBef>
+              <a:spcAft>
+                <a:spcPts val="0"/>
+              </a:spcAft>
+              <a:buSzPts val="1800"/>
+              <a:buChar char="●"/>
+            </a:pPr>
+            <a:r>
+              <a:rPr lang="en" u="sng">
+                <a:solidFill>
+                  <a:schemeClr val="hlink"/>
+                </a:solidFill>
+                <a:hlinkClick r:id="rId6"/>
+              </a:rPr>
+              <a:t>КАРО Vegas 22</a:t>
+            </a:r>
+            <a:endParaRPr/>
+          </a:p>
+          <a:p>
+            <a:pPr indent="-342900" lvl="0" marL="457200" rtl="0" algn="l">
+              <a:spcBef>
+                <a:spcPts val="0"/>
+              </a:spcBef>
+              <a:spcAft>
+                <a:spcPts val="0"/>
+              </a:spcAft>
+              <a:buSzPts val="1800"/>
+              <a:buChar char="●"/>
+            </a:pPr>
+            <a:r>
+              <a:rPr lang="en" u="sng">
+                <a:solidFill>
+                  <a:schemeClr val="hlink"/>
+                </a:solidFill>
+                <a:hlinkClick r:id="rId7"/>
+              </a:rPr>
+              <a:t>Музей Петровский путевой дворец</a:t>
+            </a:r>
+            <a:endParaRPr/>
+          </a:p>
+        </p:txBody>
+      </p:sp>
+    </p:spTree>
+  </p:cSld>
+  <p:clrMapOvr>
+    <a:masterClrMapping/>
+  </p:clrMapOvr>
+</p:sld>
+</file>
+
+<file path=ppt/slides/slide11.xml><?xml version="1.0" encoding="utf-8"?>
+<p:sld xmlns:a="http://schemas.openxmlformats.org/drawingml/2006/main" xmlns:r="http://schemas.openxmlformats.org/officeDocument/2006/relationships" xmlns:mc="http://schemas.openxmlformats.org/markup-compatibility/2006" xmlns:mv="urn:schemas-microsoft-com:mac:vml" xmlns:p="http://schemas.openxmlformats.org/presentationml/2006/main" xmlns:c="http://schemas.openxmlformats.org/drawingml/2006/chart" xmlns:dgm="http://schemas.openxmlformats.org/drawingml/2006/diagram" xmlns:o="urn:schemas-microsoft-com:office:office" xmlns:v="urn:schemas-microsoft-com:vml" xmlns:pvml="urn:schemas-microsoft-com:office:powerpoint" xmlns:com="http://schemas.openxmlformats.org/drawingml/2006/compatibility" xmlns:p14="http://schemas.microsoft.com/office/powerpoint/2010/main" xmlns:p15="http://schemas.microsoft.com/office/powerpoint/2012/main" xmlns:ahyp="http://schemas.microsoft.com/office/drawing/2018/hyperlinkcolor">
+  <p:cSld>
+    <p:spTree>
+      <p:nvGrpSpPr>
+        <p:cNvPr id="113" name="Shape 113"/>
+        <p:cNvGrpSpPr/>
+        <p:nvPr/>
+      </p:nvGrpSpPr>
+      <p:grpSpPr>
+        <a:xfrm>
+          <a:off x="0" y="0"/>
+          <a:ext cx="0" cy="0"/>
+          <a:chOff x="0" y="0"/>
+          <a:chExt cx="0" cy="0"/>
+        </a:xfrm>
+      </p:grpSpPr>
+      <p:sp>
+        <p:nvSpPr>
+          <p:cNvPr id="114" name="Google Shape;114;p23"/>
+          <p:cNvSpPr txBox="1"/>
+          <p:nvPr>
+            <p:ph type="title"/>
+          </p:nvPr>
+        </p:nvSpPr>
+        <p:spPr>
+          <a:xfrm>
+            <a:off x="311700" y="445025"/>
+            <a:ext cx="8520600" cy="572700"/>
+          </a:xfrm>
+          <a:prstGeom prst="rect">
+            <a:avLst/>
+          </a:prstGeom>
+        </p:spPr>
+        <p:txBody>
+          <a:bodyPr anchorCtr="0" anchor="t" bIns="91425" lIns="91425" spcFirstLastPara="1" rIns="91425" wrap="square" tIns="91425">
+            <a:normAutofit fontScale="90000"/>
+          </a:bodyPr>
+          <a:lstStyle/>
+          <a:p>
+            <a:pPr indent="0" lvl="0" marL="0" rtl="0" algn="l">
+              <a:spcBef>
+                <a:spcPts val="0"/>
+              </a:spcBef>
+              <a:spcAft>
+                <a:spcPts val="0"/>
+              </a:spcAft>
+              <a:buNone/>
+            </a:pPr>
+            <a:r>
+              <a:rPr lang="en"/>
               <a:t>Демонстрация работы</a:t>
             </a:r>
             <a:endParaRPr/>
@@ -6798,7 +7097,7 @@
       </p:sp>
       <p:pic>
         <p:nvPicPr>
-          <p:cNvPr id="109" name="Google Shape;109;p22"/>
+          <p:cNvPr id="115" name="Google Shape;115;p23"/>
           <p:cNvPicPr preferRelativeResize="0"/>
           <p:nvPr/>
         </p:nvPicPr>
@@ -6826,7 +7125,7 @@
       </p:pic>
       <p:pic>
         <p:nvPicPr>
-          <p:cNvPr id="110" name="Google Shape;110;p22"/>
+          <p:cNvPr id="116" name="Google Shape;116;p23"/>
           <p:cNvPicPr preferRelativeResize="0"/>
           <p:nvPr/>
         </p:nvPicPr>
@@ -6852,146 +7151,6 @@
           </a:ln>
         </p:spPr>
       </p:pic>
-    </p:spTree>
-  </p:cSld>
-  <p:clrMapOvr>
-    <a:masterClrMapping/>
-  </p:clrMapOvr>
-</p:sld>
-</file>
-
-<file path=ppt/slides/slide11.xml><?xml version="1.0" encoding="utf-8"?>
-<p:sld xmlns:a="http://schemas.openxmlformats.org/drawingml/2006/main" xmlns:r="http://schemas.openxmlformats.org/officeDocument/2006/relationships" xmlns:mc="http://schemas.openxmlformats.org/markup-compatibility/2006" xmlns:mv="urn:schemas-microsoft-com:mac:vml" xmlns:p="http://schemas.openxmlformats.org/presentationml/2006/main" xmlns:c="http://schemas.openxmlformats.org/drawingml/2006/chart" xmlns:dgm="http://schemas.openxmlformats.org/drawingml/2006/diagram" xmlns:o="urn:schemas-microsoft-com:office:office" xmlns:v="urn:schemas-microsoft-com:vml" xmlns:pvml="urn:schemas-microsoft-com:office:powerpoint" xmlns:com="http://schemas.openxmlformats.org/drawingml/2006/compatibility" xmlns:p14="http://schemas.microsoft.com/office/powerpoint/2010/main" xmlns:p15="http://schemas.microsoft.com/office/powerpoint/2012/main" xmlns:ahyp="http://schemas.microsoft.com/office/drawing/2018/hyperlinkcolor">
-  <p:cSld>
-    <p:spTree>
-      <p:nvGrpSpPr>
-        <p:cNvPr id="114" name="Shape 114"/>
-        <p:cNvGrpSpPr/>
-        <p:nvPr/>
-      </p:nvGrpSpPr>
-      <p:grpSpPr>
-        <a:xfrm>
-          <a:off x="0" y="0"/>
-          <a:ext cx="0" cy="0"/>
-          <a:chOff x="0" y="0"/>
-          <a:chExt cx="0" cy="0"/>
-        </a:xfrm>
-      </p:grpSpPr>
-      <p:sp>
-        <p:nvSpPr>
-          <p:cNvPr id="115" name="Google Shape;115;p23"/>
-          <p:cNvSpPr txBox="1"/>
-          <p:nvPr>
-            <p:ph type="title"/>
-          </p:nvPr>
-        </p:nvSpPr>
-        <p:spPr>
-          <a:xfrm>
-            <a:off x="311700" y="445025"/>
-            <a:ext cx="8520600" cy="572700"/>
-          </a:xfrm>
-          <a:prstGeom prst="rect">
-            <a:avLst/>
-          </a:prstGeom>
-        </p:spPr>
-        <p:txBody>
-          <a:bodyPr anchorCtr="0" anchor="t" bIns="91425" lIns="91425" spcFirstLastPara="1" rIns="91425" wrap="square" tIns="91425">
-            <a:normAutofit fontScale="90000"/>
-          </a:bodyPr>
-          <a:lstStyle/>
-          <a:p>
-            <a:pPr indent="0" lvl="0" marL="0" rtl="0" algn="l">
-              <a:spcBef>
-                <a:spcPts val="0"/>
-              </a:spcBef>
-              <a:spcAft>
-                <a:spcPts val="0"/>
-              </a:spcAft>
-              <a:buNone/>
-            </a:pPr>
-            <a:r>
-              <a:rPr lang="en"/>
-              <a:t>Перспективы</a:t>
-            </a:r>
-            <a:endParaRPr/>
-          </a:p>
-        </p:txBody>
-      </p:sp>
-      <p:sp>
-        <p:nvSpPr>
-          <p:cNvPr id="116" name="Google Shape;116;p23"/>
-          <p:cNvSpPr txBox="1"/>
-          <p:nvPr>
-            <p:ph idx="1" type="body"/>
-          </p:nvPr>
-        </p:nvSpPr>
-        <p:spPr>
-          <a:xfrm>
-            <a:off x="311700" y="1152475"/>
-            <a:ext cx="8520600" cy="3416400"/>
-          </a:xfrm>
-          <a:prstGeom prst="rect">
-            <a:avLst/>
-          </a:prstGeom>
-        </p:spPr>
-        <p:txBody>
-          <a:bodyPr anchorCtr="0" anchor="t" bIns="91425" lIns="91425" spcFirstLastPara="1" rIns="91425" wrap="square" tIns="91425">
-            <a:normAutofit/>
-          </a:bodyPr>
-          <a:lstStyle/>
-          <a:p>
-            <a:pPr indent="-342900" lvl="0" marL="457200" rtl="0" algn="l">
-              <a:spcBef>
-                <a:spcPts val="0"/>
-              </a:spcBef>
-              <a:spcAft>
-                <a:spcPts val="0"/>
-              </a:spcAft>
-              <a:buSzPts val="1800"/>
-              <a:buChar char="●"/>
-            </a:pPr>
-            <a:r>
-              <a:rPr lang="en"/>
-              <a:t>Интеграция с Яндекс-картами/2GIS для увеличения количества выдаваемых мест</a:t>
-            </a:r>
-            <a:endParaRPr/>
-          </a:p>
-          <a:p>
-            <a:pPr indent="-342900" lvl="0" marL="457200" rtl="0" algn="l">
-              <a:spcBef>
-                <a:spcPts val="0"/>
-              </a:spcBef>
-              <a:spcAft>
-                <a:spcPts val="0"/>
-              </a:spcAft>
-              <a:buSzPts val="1800"/>
-              <a:buChar char="●"/>
-            </a:pPr>
-            <a:r>
-              <a:rPr lang="en"/>
-              <a:t>Сбор оценок пользователей выданным местам</a:t>
-            </a:r>
-            <a:endParaRPr/>
-          </a:p>
-          <a:p>
-            <a:pPr indent="-342900" lvl="0" marL="457200" rtl="0" algn="l">
-              <a:spcBef>
-                <a:spcPts val="0"/>
-              </a:spcBef>
-              <a:spcAft>
-                <a:spcPts val="0"/>
-              </a:spcAft>
-              <a:buSzPts val="1800"/>
-              <a:buChar char="●"/>
-            </a:pPr>
-            <a:r>
-              <a:rPr lang="en"/>
-              <a:t>Улучшение модели за счет данных о предыдущих выдачах пользователям</a:t>
-            </a:r>
-            <a:endParaRPr/>
-          </a:p>
-        </p:txBody>
-      </p:sp>
     </p:spTree>
   </p:cSld>
   <p:clrMapOvr>
@@ -7051,7 +7210,7 @@
             </a:pPr>
             <a:r>
               <a:rPr lang="en"/>
-              <a:t>Участники</a:t>
+              <a:t>Перспективы</a:t>
             </a:r>
             <a:endParaRPr/>
           </a:p>
@@ -7092,7 +7251,7 @@
             </a:pPr>
             <a:r>
               <a:rPr lang="en"/>
-              <a:t>Матвей Попов – архитектура проекта</a:t>
+              <a:t>Интеграция с Яндекс-картами/2GIS для увеличения количества выдаваемых мест</a:t>
             </a:r>
             <a:endParaRPr/>
           </a:p>
@@ -7109,7 +7268,7 @@
             </a:pPr>
             <a:r>
               <a:rPr lang="en"/>
-              <a:t>Анастасия Прудникова – Telegram-бот</a:t>
+              <a:t>Сбор оценок пользователей выданным местам</a:t>
             </a:r>
             <a:endParaRPr/>
           </a:p>
@@ -7126,41 +7285,7 @@
             </a:pPr>
             <a:r>
               <a:rPr lang="en"/>
-              <a:t>Дарья Гордеева – работа над моделью</a:t>
-            </a:r>
-            <a:endParaRPr/>
-          </a:p>
-          <a:p>
-            <a:pPr indent="-342900" lvl="0" marL="457200" rtl="0" algn="l">
-              <a:spcBef>
-                <a:spcPts val="0"/>
-              </a:spcBef>
-              <a:spcAft>
-                <a:spcPts val="0"/>
-              </a:spcAft>
-              <a:buSzPts val="1800"/>
-              <a:buChar char="●"/>
-            </a:pPr>
-            <a:r>
-              <a:rPr lang="en"/>
-              <a:t>Елизавета Завьялова – работа с БД</a:t>
-            </a:r>
-            <a:endParaRPr/>
-          </a:p>
-          <a:p>
-            <a:pPr indent="-342900" lvl="0" marL="457200" rtl="0" algn="l">
-              <a:spcBef>
-                <a:spcPts val="0"/>
-              </a:spcBef>
-              <a:spcAft>
-                <a:spcPts val="0"/>
-              </a:spcAft>
-              <a:buSzPts val="1800"/>
-              <a:buChar char="●"/>
-            </a:pPr>
-            <a:r>
-              <a:rPr lang="en"/>
-              <a:t>Антон Кушниренко – работа с выдачей мест</a:t>
+              <a:t>Улучшение модели за счет данных о предыдущих выдачах пользователям</a:t>
             </a:r>
             <a:endParaRPr/>
           </a:p>
@@ -7225,6 +7350,180 @@
             </a:pPr>
             <a:r>
               <a:rPr lang="en"/>
+              <a:t>Участники</a:t>
+            </a:r>
+            <a:endParaRPr/>
+          </a:p>
+        </p:txBody>
+      </p:sp>
+      <p:sp>
+        <p:nvSpPr>
+          <p:cNvPr id="128" name="Google Shape;128;p25"/>
+          <p:cNvSpPr txBox="1"/>
+          <p:nvPr>
+            <p:ph idx="1" type="body"/>
+          </p:nvPr>
+        </p:nvSpPr>
+        <p:spPr>
+          <a:xfrm>
+            <a:off x="311700" y="1152475"/>
+            <a:ext cx="8520600" cy="3416400"/>
+          </a:xfrm>
+          <a:prstGeom prst="rect">
+            <a:avLst/>
+          </a:prstGeom>
+        </p:spPr>
+        <p:txBody>
+          <a:bodyPr anchorCtr="0" anchor="t" bIns="91425" lIns="91425" spcFirstLastPara="1" rIns="91425" wrap="square" tIns="91425">
+            <a:normAutofit/>
+          </a:bodyPr>
+          <a:lstStyle/>
+          <a:p>
+            <a:pPr indent="-342900" lvl="0" marL="457200" rtl="0" algn="l">
+              <a:spcBef>
+                <a:spcPts val="0"/>
+              </a:spcBef>
+              <a:spcAft>
+                <a:spcPts val="0"/>
+              </a:spcAft>
+              <a:buSzPts val="1800"/>
+              <a:buChar char="●"/>
+            </a:pPr>
+            <a:r>
+              <a:rPr lang="en"/>
+              <a:t>Матвей Попов – архитектура проекта</a:t>
+            </a:r>
+            <a:endParaRPr/>
+          </a:p>
+          <a:p>
+            <a:pPr indent="-342900" lvl="0" marL="457200" rtl="0" algn="l">
+              <a:spcBef>
+                <a:spcPts val="0"/>
+              </a:spcBef>
+              <a:spcAft>
+                <a:spcPts val="0"/>
+              </a:spcAft>
+              <a:buSzPts val="1800"/>
+              <a:buChar char="●"/>
+            </a:pPr>
+            <a:r>
+              <a:rPr lang="en"/>
+              <a:t>Анастасия Прудникова – Telegram-бот</a:t>
+            </a:r>
+            <a:endParaRPr/>
+          </a:p>
+          <a:p>
+            <a:pPr indent="-342900" lvl="0" marL="457200" rtl="0" algn="l">
+              <a:spcBef>
+                <a:spcPts val="0"/>
+              </a:spcBef>
+              <a:spcAft>
+                <a:spcPts val="0"/>
+              </a:spcAft>
+              <a:buSzPts val="1800"/>
+              <a:buChar char="●"/>
+            </a:pPr>
+            <a:r>
+              <a:rPr lang="en"/>
+              <a:t>Дарья Гордеева – работа над моделью и датасетом</a:t>
+            </a:r>
+            <a:endParaRPr/>
+          </a:p>
+          <a:p>
+            <a:pPr indent="-342900" lvl="0" marL="457200" rtl="0" algn="l">
+              <a:spcBef>
+                <a:spcPts val="0"/>
+              </a:spcBef>
+              <a:spcAft>
+                <a:spcPts val="0"/>
+              </a:spcAft>
+              <a:buSzPts val="1800"/>
+              <a:buChar char="●"/>
+            </a:pPr>
+            <a:r>
+              <a:rPr lang="en"/>
+              <a:t>Елизавета Завьялова – работа с БД</a:t>
+            </a:r>
+            <a:endParaRPr/>
+          </a:p>
+          <a:p>
+            <a:pPr indent="-342900" lvl="0" marL="457200" rtl="0" algn="l">
+              <a:spcBef>
+                <a:spcPts val="0"/>
+              </a:spcBef>
+              <a:spcAft>
+                <a:spcPts val="0"/>
+              </a:spcAft>
+              <a:buSzPts val="1800"/>
+              <a:buChar char="●"/>
+            </a:pPr>
+            <a:r>
+              <a:rPr lang="en"/>
+              <a:t>Антон Кушниренко – работа с выдачей мест</a:t>
+            </a:r>
+            <a:endParaRPr/>
+          </a:p>
+        </p:txBody>
+      </p:sp>
+    </p:spTree>
+  </p:cSld>
+  <p:clrMapOvr>
+    <a:masterClrMapping/>
+  </p:clrMapOvr>
+</p:sld>
+</file>
+
+<file path=ppt/slides/slide14.xml><?xml version="1.0" encoding="utf-8"?>
+<p:sld xmlns:a="http://schemas.openxmlformats.org/drawingml/2006/main" xmlns:r="http://schemas.openxmlformats.org/officeDocument/2006/relationships" xmlns:mc="http://schemas.openxmlformats.org/markup-compatibility/2006" xmlns:mv="urn:schemas-microsoft-com:mac:vml" xmlns:p="http://schemas.openxmlformats.org/presentationml/2006/main" xmlns:c="http://schemas.openxmlformats.org/drawingml/2006/chart" xmlns:dgm="http://schemas.openxmlformats.org/drawingml/2006/diagram" xmlns:o="urn:schemas-microsoft-com:office:office" xmlns:v="urn:schemas-microsoft-com:vml" xmlns:pvml="urn:schemas-microsoft-com:office:powerpoint" xmlns:com="http://schemas.openxmlformats.org/drawingml/2006/compatibility" xmlns:p14="http://schemas.microsoft.com/office/powerpoint/2010/main" xmlns:p15="http://schemas.microsoft.com/office/powerpoint/2012/main" xmlns:ahyp="http://schemas.microsoft.com/office/drawing/2018/hyperlinkcolor">
+  <p:cSld>
+    <p:spTree>
+      <p:nvGrpSpPr>
+        <p:cNvPr id="132" name="Shape 132"/>
+        <p:cNvGrpSpPr/>
+        <p:nvPr/>
+      </p:nvGrpSpPr>
+      <p:grpSpPr>
+        <a:xfrm>
+          <a:off x="0" y="0"/>
+          <a:ext cx="0" cy="0"/>
+          <a:chOff x="0" y="0"/>
+          <a:chExt cx="0" cy="0"/>
+        </a:xfrm>
+      </p:grpSpPr>
+      <p:sp>
+        <p:nvSpPr>
+          <p:cNvPr id="133" name="Google Shape;133;p26"/>
+          <p:cNvSpPr txBox="1"/>
+          <p:nvPr>
+            <p:ph type="title"/>
+          </p:nvPr>
+        </p:nvSpPr>
+        <p:spPr>
+          <a:xfrm>
+            <a:off x="311700" y="445025"/>
+            <a:ext cx="8520600" cy="572700"/>
+          </a:xfrm>
+          <a:prstGeom prst="rect">
+            <a:avLst/>
+          </a:prstGeom>
+        </p:spPr>
+        <p:txBody>
+          <a:bodyPr anchorCtr="0" anchor="t" bIns="91425" lIns="91425" spcFirstLastPara="1" rIns="91425" wrap="square" tIns="91425">
+            <a:normAutofit fontScale="90000"/>
+          </a:bodyPr>
+          <a:lstStyle/>
+          <a:p>
+            <a:pPr indent="0" lvl="0" marL="0" rtl="0" algn="l">
+              <a:spcBef>
+                <a:spcPts val="0"/>
+              </a:spcBef>
+              <a:spcAft>
+                <a:spcPts val="0"/>
+              </a:spcAft>
+              <a:buNone/>
+            </a:pPr>
+            <a:r>
+              <a:rPr lang="en"/>
               <a:t>Исходный код</a:t>
             </a:r>
             <a:endParaRPr/>
@@ -7233,7 +7532,7 @@
       </p:sp>
       <p:sp>
         <p:nvSpPr>
-          <p:cNvPr id="128" name="Google Shape;128;p25"/>
+          <p:cNvPr id="134" name="Google Shape;134;p26"/>
           <p:cNvSpPr txBox="1"/>
           <p:nvPr>
             <p:ph idx="1" type="body"/>
@@ -7278,7 +7577,7 @@
       </p:sp>
       <p:pic>
         <p:nvPicPr>
-          <p:cNvPr id="129" name="Google Shape;129;p25"/>
+          <p:cNvPr id="135" name="Google Shape;135;p26"/>
           <p:cNvPicPr preferRelativeResize="0"/>
           <p:nvPr/>
         </p:nvPicPr>
@@ -8212,8 +8511,8 @@
         </p:nvSpPr>
         <p:spPr>
           <a:xfrm>
-            <a:off x="311700" y="1152475"/>
-            <a:ext cx="8520600" cy="3416400"/>
+            <a:off x="311700" y="1017725"/>
+            <a:ext cx="8520600" cy="3551100"/>
           </a:xfrm>
           <a:prstGeom prst="rect">
             <a:avLst/>
@@ -8254,7 +8553,7 @@
             </a:pPr>
             <a:r>
               <a:rPr lang="en"/>
-              <a:t>Обучен на основе датасета, составленного на основе опроса в Google Forms из 10 вопросов;</a:t>
+              <a:t>Обучен на основе датасета, созданного на основе опроса в Google Forms из 10 вопросов;</a:t>
             </a:r>
             <a:endParaRPr/>
           </a:p>
@@ -8305,7 +8604,7 @@
             </a:pPr>
             <a:r>
               <a:rPr lang="en"/>
-              <a:t>Модель сохранена с помощью библиотеки joblib в формате .pkl</a:t>
+              <a:t>Модель сохранена с помощью библиотеки joblib в формате .pkl;</a:t>
             </a:r>
             <a:endParaRPr/>
           </a:p>
@@ -8322,7 +8621,24 @@
             </a:pPr>
             <a:r>
               <a:rPr lang="en"/>
-              <a:t>Точность модели 0.54</a:t>
+              <a:t>Точность модели (accuracy) 0.56;</a:t>
+            </a:r>
+            <a:endParaRPr/>
+          </a:p>
+          <a:p>
+            <a:pPr indent="-342900" lvl="0" marL="457200" rtl="0" algn="l">
+              <a:spcBef>
+                <a:spcPts val="0"/>
+              </a:spcBef>
+              <a:spcAft>
+                <a:spcPts val="0"/>
+              </a:spcAft>
+              <a:buSzPts val="1800"/>
+              <a:buChar char="●"/>
+            </a:pPr>
+            <a:r>
+              <a:rPr lang="en"/>
+              <a:t>Оптимальные параметры модели найдены по сетке.</a:t>
             </a:r>
             <a:endParaRPr/>
           </a:p>
@@ -8363,8 +8679,8 @@
         </p:nvSpPr>
         <p:spPr>
           <a:xfrm>
-            <a:off x="311700" y="445025"/>
-            <a:ext cx="8520600" cy="572700"/>
+            <a:off x="311700" y="74775"/>
+            <a:ext cx="8520600" cy="454800"/>
           </a:xfrm>
           <a:prstGeom prst="rect">
             <a:avLst/>
@@ -8387,146 +8703,40 @@
             </a:pPr>
             <a:r>
               <a:rPr lang="en"/>
-              <a:t>Примеры мест</a:t>
+              <a:t>Структура модели</a:t>
             </a:r>
             <a:endParaRPr/>
           </a:p>
         </p:txBody>
       </p:sp>
-      <p:sp>
-        <p:nvSpPr>
+      <p:pic>
+        <p:nvPicPr>
           <p:cNvPr id="103" name="Google Shape;103;p21"/>
-          <p:cNvSpPr txBox="1"/>
-          <p:nvPr>
-            <p:ph idx="1" type="body"/>
-          </p:nvPr>
-        </p:nvSpPr>
+          <p:cNvPicPr preferRelativeResize="0"/>
+          <p:nvPr/>
+        </p:nvPicPr>
+        <p:blipFill>
+          <a:blip r:embed="rId3">
+            <a:alphaModFix/>
+          </a:blip>
+          <a:stretch>
+            <a:fillRect/>
+          </a:stretch>
+        </p:blipFill>
         <p:spPr>
           <a:xfrm>
-            <a:off x="311700" y="1152475"/>
-            <a:ext cx="8520600" cy="3416400"/>
+            <a:off x="78450" y="1524900"/>
+            <a:ext cx="8825400" cy="2820977"/>
           </a:xfrm>
           <a:prstGeom prst="rect">
             <a:avLst/>
           </a:prstGeom>
+          <a:noFill/>
+          <a:ln>
+            <a:noFill/>
+          </a:ln>
         </p:spPr>
-        <p:txBody>
-          <a:bodyPr anchorCtr="0" anchor="t" bIns="91425" lIns="91425" spcFirstLastPara="1" rIns="91425" wrap="square" tIns="91425">
-            <a:normAutofit/>
-          </a:bodyPr>
-          <a:lstStyle/>
-          <a:p>
-            <a:pPr indent="-342900" lvl="0" marL="457200" rtl="0" algn="l">
-              <a:spcBef>
-                <a:spcPts val="0"/>
-              </a:spcBef>
-              <a:spcAft>
-                <a:spcPts val="0"/>
-              </a:spcAft>
-              <a:buSzPts val="1800"/>
-              <a:buChar char="●"/>
-            </a:pPr>
-            <a:r>
-              <a:rPr lang="en" u="sng">
-                <a:solidFill>
-                  <a:schemeClr val="hlink"/>
-                </a:solidFill>
-                <a:hlinkClick r:id="rId3"/>
-              </a:rPr>
-              <a:t>Ансамбль усадьбы Царицыно, Большой дворец</a:t>
-            </a:r>
-            <a:endParaRPr/>
-          </a:p>
-          <a:p>
-            <a:pPr indent="-342900" lvl="0" marL="457200" rtl="0" algn="l">
-              <a:spcBef>
-                <a:spcPts val="0"/>
-              </a:spcBef>
-              <a:spcAft>
-                <a:spcPts val="0"/>
-              </a:spcAft>
-              <a:buSzPts val="1800"/>
-              <a:buChar char="●"/>
-            </a:pPr>
-            <a:r>
-              <a:rPr lang="en" u="sng">
-                <a:solidFill>
-                  <a:schemeClr val="hlink"/>
-                </a:solidFill>
-                <a:hlinkClick r:id="rId4"/>
-              </a:rPr>
-              <a:t>Боулинг Мореон</a:t>
-            </a:r>
-            <a:endParaRPr/>
-          </a:p>
-          <a:p>
-            <a:pPr indent="-342900" lvl="0" marL="457200" rtl="0" algn="l">
-              <a:spcBef>
-                <a:spcPts val="0"/>
-              </a:spcBef>
-              <a:spcAft>
-                <a:spcPts val="0"/>
-              </a:spcAft>
-              <a:buSzPts val="1800"/>
-              <a:buChar char="●"/>
-            </a:pPr>
-            <a:r>
-              <a:rPr lang="en" u="sng">
-                <a:solidFill>
-                  <a:schemeClr val="hlink"/>
-                </a:solidFill>
-                <a:hlinkClick r:id="rId5"/>
-              </a:rPr>
-              <a:t>Подводная лодка Б-396 Новосибирский Комсомолец</a:t>
-            </a:r>
-            <a:endParaRPr/>
-          </a:p>
-          <a:p>
-            <a:pPr indent="-342900" lvl="0" marL="457200" rtl="0" algn="l">
-              <a:spcBef>
-                <a:spcPts val="0"/>
-              </a:spcBef>
-              <a:spcAft>
-                <a:spcPts val="0"/>
-              </a:spcAft>
-              <a:buSzPts val="1800"/>
-              <a:buChar char="●"/>
-            </a:pPr>
-            <a:r>
-              <a:rPr lang="en" u="sng">
-                <a:solidFill>
-                  <a:schemeClr val="hlink"/>
-                </a:solidFill>
-                <a:hlinkClick r:id="rId6"/>
-              </a:rPr>
-              <a:t>КАРО Vegas 22</a:t>
-            </a:r>
-            <a:endParaRPr/>
-          </a:p>
-          <a:p>
-            <a:pPr indent="-342900" lvl="0" marL="457200" rtl="0" algn="l">
-              <a:spcBef>
-                <a:spcPts val="0"/>
-              </a:spcBef>
-              <a:spcAft>
-                <a:spcPts val="0"/>
-              </a:spcAft>
-              <a:buSzPts val="1800"/>
-              <a:buChar char="●"/>
-            </a:pPr>
-            <a:r>
-              <a:rPr lang="en" u="sng">
-                <a:solidFill>
-                  <a:schemeClr val="hlink"/>
-                </a:solidFill>
-                <a:hlinkClick r:id="rId7"/>
-              </a:rPr>
-              <a:t>Музей Петровский путевой дворец</a:t>
-            </a:r>
-            <a:endParaRPr/>
-          </a:p>
-        </p:txBody>
-      </p:sp>
+      </p:pic>
     </p:spTree>
   </p:cSld>
   <p:clrMapOvr>
